--- a/git_20191028.pptx
+++ b/git_20191028.pptx
@@ -521,14 +521,107 @@
           <a:bodyPr/>
           <a:lstStyle/>
           <a:p>
-            <a:pPr marL="171450" indent="-171450">
-              <a:buFont typeface="Arial" panose="020B0604020202020204" pitchFamily="34" charset="0"/>
-              <a:buChar char="•"/>
+            <a:pPr marL="0" marR="0" lvl="0" indent="0" algn="l" defTabSz="914400" rtl="0" eaLnBrk="1" fontAlgn="auto" latinLnBrk="0" hangingPunct="1">
+              <a:lnSpc>
+                <a:spcPct val="100000"/>
+              </a:lnSpc>
+              <a:spcBef>
+                <a:spcPts val="0"/>
+              </a:spcBef>
+              <a:spcAft>
+                <a:spcPts val="0"/>
+              </a:spcAft>
+              <a:buClrTx/>
+              <a:buSzTx/>
+              <a:buFontTx/>
+              <a:buNone/>
+              <a:tabLst/>
+              <a:defRPr/>
             </a:pPr>
             <a:r>
               <a:rPr lang="en-US" dirty="0"/>
-              <a:t>Audience survey to determine what content to cover in this 30 min. presentation</a:t>
+              <a:t>Presentation time: 30 mins. </a:t>
             </a:r>
+          </a:p>
+          <a:p>
+            <a:pPr marL="0" marR="0" lvl="0" indent="0" algn="l" defTabSz="914400" rtl="0" eaLnBrk="1" fontAlgn="auto" latinLnBrk="0" hangingPunct="1">
+              <a:lnSpc>
+                <a:spcPct val="100000"/>
+              </a:lnSpc>
+              <a:spcBef>
+                <a:spcPts val="0"/>
+              </a:spcBef>
+              <a:spcAft>
+                <a:spcPts val="0"/>
+              </a:spcAft>
+              <a:buClrTx/>
+              <a:buSzTx/>
+              <a:buFontTx/>
+              <a:buNone/>
+              <a:tabLst/>
+              <a:defRPr/>
+            </a:pPr>
+            <a:r>
+              <a:rPr lang="en-US" dirty="0"/>
+              <a:t>Intended audience: </a:t>
+            </a:r>
+          </a:p>
+          <a:p>
+            <a:pPr marL="685800" marR="0" lvl="1" indent="-228600" algn="l" defTabSz="914400" rtl="0" eaLnBrk="1" fontAlgn="auto" latinLnBrk="0" hangingPunct="1">
+              <a:lnSpc>
+                <a:spcPct val="100000"/>
+              </a:lnSpc>
+              <a:spcBef>
+                <a:spcPts val="0"/>
+              </a:spcBef>
+              <a:spcAft>
+                <a:spcPts val="0"/>
+              </a:spcAft>
+              <a:buClrTx/>
+              <a:buSzTx/>
+              <a:buFontTx/>
+              <a:buAutoNum type="alphaLcParenR"/>
+              <a:tabLst/>
+              <a:defRPr/>
+            </a:pPr>
+            <a:r>
+              <a:rPr lang="en-US" dirty="0"/>
+              <a:t>You’ve tried to use git before but aren’t sure where to start OR have gotten confused or intimidated. </a:t>
+            </a:r>
+          </a:p>
+          <a:p>
+            <a:pPr marL="685800" marR="0" lvl="1" indent="-228600" algn="l" defTabSz="914400" rtl="0" eaLnBrk="1" fontAlgn="auto" latinLnBrk="0" hangingPunct="1">
+              <a:lnSpc>
+                <a:spcPct val="100000"/>
+              </a:lnSpc>
+              <a:spcBef>
+                <a:spcPts val="0"/>
+              </a:spcBef>
+              <a:spcAft>
+                <a:spcPts val="0"/>
+              </a:spcAft>
+              <a:buClrTx/>
+              <a:buSzTx/>
+              <a:buFontTx/>
+              <a:buAutoNum type="alphaLcParenR"/>
+              <a:tabLst/>
+              <a:defRPr/>
+            </a:pPr>
+            <a:r>
+              <a:rPr lang="en-US" dirty="0"/>
+              <a:t>You can use basic commands comfortably (add/commit/add/commit/</a:t>
+            </a:r>
+            <a:r>
+              <a:rPr lang="en-US" dirty="0" err="1"/>
+              <a:t>etc</a:t>
+            </a:r>
+            <a:r>
+              <a:rPr lang="en-US" dirty="0"/>
+              <a:t>) but would like to learn a little more “fancy” functionality.</a:t>
+            </a:r>
+          </a:p>
+          <a:p>
+            <a:endParaRPr lang="en-US" dirty="0"/>
           </a:p>
         </p:txBody>
       </p:sp>
@@ -549,7 +642,7 @@
           <a:p>
             <a:fld id="{E5E194D4-CBFB-4079-8782-8AEE61990DFF}" type="slidenum">
               <a:rPr lang="en-US" smtClean="0"/>
-              <a:t>2</a:t>
+              <a:t>1</a:t>
             </a:fld>
             <a:endParaRPr lang="en-US"/>
           </a:p>
@@ -558,7 +651,7 @@
     </p:spTree>
     <p:extLst>
       <p:ext uri="{BB962C8B-B14F-4D97-AF65-F5344CB8AC3E}">
-        <p14:creationId xmlns:p14="http://schemas.microsoft.com/office/powerpoint/2010/main" val="1909402106"/>
+        <p14:creationId xmlns:p14="http://schemas.microsoft.com/office/powerpoint/2010/main" val="3844598904"/>
       </p:ext>
     </p:extLst>
   </p:cSld>
@@ -569,6 +662,120 @@
 </file>
 
 <file path=ppt/notesSlides/notesSlide10.xml><?xml version="1.0" encoding="utf-8"?>
+<p:notes xmlns:a="http://schemas.openxmlformats.org/drawingml/2006/main" xmlns:r="http://schemas.openxmlformats.org/officeDocument/2006/relationships" xmlns:p="http://schemas.openxmlformats.org/presentationml/2006/main">
+  <p:cSld>
+    <p:spTree>
+      <p:nvGrpSpPr>
+        <p:cNvPr id="1" name=""/>
+        <p:cNvGrpSpPr/>
+        <p:nvPr/>
+      </p:nvGrpSpPr>
+      <p:grpSpPr>
+        <a:xfrm>
+          <a:off x="0" y="0"/>
+          <a:ext cx="0" cy="0"/>
+          <a:chOff x="0" y="0"/>
+          <a:chExt cx="0" cy="0"/>
+        </a:xfrm>
+      </p:grpSpPr>
+      <p:sp>
+        <p:nvSpPr>
+          <p:cNvPr id="2" name="Slide Image Placeholder 1"/>
+          <p:cNvSpPr>
+            <a:spLocks noGrp="1" noRot="1" noChangeAspect="1"/>
+          </p:cNvSpPr>
+          <p:nvPr>
+            <p:ph type="sldImg"/>
+          </p:nvPr>
+        </p:nvSpPr>
+        <p:spPr/>
+      </p:sp>
+      <p:sp>
+        <p:nvSpPr>
+          <p:cNvPr id="3" name="Notes Placeholder 2"/>
+          <p:cNvSpPr>
+            <a:spLocks noGrp="1"/>
+          </p:cNvSpPr>
+          <p:nvPr>
+            <p:ph type="body" idx="1"/>
+          </p:nvPr>
+        </p:nvSpPr>
+        <p:spPr/>
+        <p:txBody>
+          <a:bodyPr/>
+          <a:lstStyle/>
+          <a:p>
+            <a:pPr marL="171450" indent="-171450">
+              <a:buFont typeface="Arial" panose="020B0604020202020204" pitchFamily="34" charset="0"/>
+              <a:buChar char="•"/>
+            </a:pPr>
+            <a:r>
+              <a:rPr lang="en-US" dirty="0"/>
+              <a:t>Glorified merge – from one branch to another within a repo OR from one branch to another between forks</a:t>
+            </a:r>
+          </a:p>
+          <a:p>
+            <a:pPr marL="171450" indent="-171450">
+              <a:buFont typeface="Arial" panose="020B0604020202020204" pitchFamily="34" charset="0"/>
+              <a:buChar char="•"/>
+            </a:pPr>
+            <a:r>
+              <a:rPr lang="en-US" dirty="0"/>
+              <a:t>Mechanism to allows review from others</a:t>
+            </a:r>
+          </a:p>
+          <a:p>
+            <a:pPr marL="171450" indent="-171450">
+              <a:buFont typeface="Arial" panose="020B0604020202020204" pitchFamily="34" charset="0"/>
+              <a:buChar char="•"/>
+            </a:pPr>
+            <a:r>
+              <a:rPr lang="en-US" dirty="0"/>
+              <a:t>May be necessary if you don’t have push access</a:t>
+            </a:r>
+          </a:p>
+          <a:p>
+            <a:endParaRPr lang="en-US" dirty="0"/>
+          </a:p>
+        </p:txBody>
+      </p:sp>
+      <p:sp>
+        <p:nvSpPr>
+          <p:cNvPr id="4" name="Slide Number Placeholder 3"/>
+          <p:cNvSpPr>
+            <a:spLocks noGrp="1"/>
+          </p:cNvSpPr>
+          <p:nvPr>
+            <p:ph type="sldNum" sz="quarter" idx="5"/>
+          </p:nvPr>
+        </p:nvSpPr>
+        <p:spPr/>
+        <p:txBody>
+          <a:bodyPr/>
+          <a:lstStyle/>
+          <a:p>
+            <a:fld id="{E5E194D4-CBFB-4079-8782-8AEE61990DFF}" type="slidenum">
+              <a:rPr lang="en-US" smtClean="0"/>
+              <a:t>10</a:t>
+            </a:fld>
+            <a:endParaRPr lang="en-US"/>
+          </a:p>
+        </p:txBody>
+      </p:sp>
+    </p:spTree>
+    <p:extLst>
+      <p:ext uri="{BB962C8B-B14F-4D97-AF65-F5344CB8AC3E}">
+        <p14:creationId xmlns:p14="http://schemas.microsoft.com/office/powerpoint/2010/main" val="3845244907"/>
+      </p:ext>
+    </p:extLst>
+  </p:cSld>
+  <p:clrMapOvr>
+    <a:masterClrMapping/>
+  </p:clrMapOvr>
+</p:notes>
+</file>
+
+<file path=ppt/notesSlides/notesSlide11.xml><?xml version="1.0" encoding="utf-8"?>
 <p:notes xmlns:a="http://schemas.openxmlformats.org/drawingml/2006/main" xmlns:r="http://schemas.openxmlformats.org/officeDocument/2006/relationships" xmlns:p="http://schemas.openxmlformats.org/presentationml/2006/main">
   <p:cSld>
     <p:spTree>
@@ -689,7 +896,7 @@
 </p:notes>
 </file>
 
-<file path=ppt/notesSlides/notesSlide11.xml><?xml version="1.0" encoding="utf-8"?>
+<file path=ppt/notesSlides/notesSlide12.xml><?xml version="1.0" encoding="utf-8"?>
 <p:notes xmlns:a="http://schemas.openxmlformats.org/drawingml/2006/main" xmlns:r="http://schemas.openxmlformats.org/officeDocument/2006/relationships" xmlns:p="http://schemas.openxmlformats.org/presentationml/2006/main">
   <p:cSld>
     <p:spTree>
@@ -810,7 +1017,7 @@
 </p:notes>
 </file>
 
-<file path=ppt/notesSlides/notesSlide12.xml><?xml version="1.0" encoding="utf-8"?>
+<file path=ppt/notesSlides/notesSlide13.xml><?xml version="1.0" encoding="utf-8"?>
 <p:notes xmlns:a="http://schemas.openxmlformats.org/drawingml/2006/main" xmlns:r="http://schemas.openxmlformats.org/officeDocument/2006/relationships" xmlns:p="http://schemas.openxmlformats.org/presentationml/2006/main">
   <p:cSld>
     <p:spTree>
@@ -928,7 +1135,7 @@
 </p:notes>
 </file>
 
-<file path=ppt/notesSlides/notesSlide13.xml><?xml version="1.0" encoding="utf-8"?>
+<file path=ppt/notesSlides/notesSlide14.xml><?xml version="1.0" encoding="utf-8"?>
 <p:notes xmlns:a="http://schemas.openxmlformats.org/drawingml/2006/main" xmlns:r="http://schemas.openxmlformats.org/officeDocument/2006/relationships" xmlns:p="http://schemas.openxmlformats.org/presentationml/2006/main">
   <p:cSld>
     <p:spTree>
@@ -1062,6 +1269,97 @@
             </a:pPr>
             <a:r>
               <a:rPr lang="en-US" dirty="0"/>
+              <a:t>Audience survey to determine what content to cover in this 30 min. presentation</a:t>
+            </a:r>
+          </a:p>
+        </p:txBody>
+      </p:sp>
+      <p:sp>
+        <p:nvSpPr>
+          <p:cNvPr id="4" name="Slide Number Placeholder 3"/>
+          <p:cNvSpPr>
+            <a:spLocks noGrp="1"/>
+          </p:cNvSpPr>
+          <p:nvPr>
+            <p:ph type="sldNum" sz="quarter" idx="5"/>
+          </p:nvPr>
+        </p:nvSpPr>
+        <p:spPr/>
+        <p:txBody>
+          <a:bodyPr/>
+          <a:lstStyle/>
+          <a:p>
+            <a:fld id="{E5E194D4-CBFB-4079-8782-8AEE61990DFF}" type="slidenum">
+              <a:rPr lang="en-US" smtClean="0"/>
+              <a:t>2</a:t>
+            </a:fld>
+            <a:endParaRPr lang="en-US"/>
+          </a:p>
+        </p:txBody>
+      </p:sp>
+    </p:spTree>
+    <p:extLst>
+      <p:ext uri="{BB962C8B-B14F-4D97-AF65-F5344CB8AC3E}">
+        <p14:creationId xmlns:p14="http://schemas.microsoft.com/office/powerpoint/2010/main" val="1909402106"/>
+      </p:ext>
+    </p:extLst>
+  </p:cSld>
+  <p:clrMapOvr>
+    <a:masterClrMapping/>
+  </p:clrMapOvr>
+</p:notes>
+</file>
+
+<file path=ppt/notesSlides/notesSlide3.xml><?xml version="1.0" encoding="utf-8"?>
+<p:notes xmlns:a="http://schemas.openxmlformats.org/drawingml/2006/main" xmlns:r="http://schemas.openxmlformats.org/officeDocument/2006/relationships" xmlns:p="http://schemas.openxmlformats.org/presentationml/2006/main">
+  <p:cSld>
+    <p:spTree>
+      <p:nvGrpSpPr>
+        <p:cNvPr id="1" name=""/>
+        <p:cNvGrpSpPr/>
+        <p:nvPr/>
+      </p:nvGrpSpPr>
+      <p:grpSpPr>
+        <a:xfrm>
+          <a:off x="0" y="0"/>
+          <a:ext cx="0" cy="0"/>
+          <a:chOff x="0" y="0"/>
+          <a:chExt cx="0" cy="0"/>
+        </a:xfrm>
+      </p:grpSpPr>
+      <p:sp>
+        <p:nvSpPr>
+          <p:cNvPr id="2" name="Slide Image Placeholder 1"/>
+          <p:cNvSpPr>
+            <a:spLocks noGrp="1" noRot="1" noChangeAspect="1"/>
+          </p:cNvSpPr>
+          <p:nvPr>
+            <p:ph type="sldImg"/>
+          </p:nvPr>
+        </p:nvSpPr>
+        <p:spPr/>
+      </p:sp>
+      <p:sp>
+        <p:nvSpPr>
+          <p:cNvPr id="3" name="Notes Placeholder 2"/>
+          <p:cNvSpPr>
+            <a:spLocks noGrp="1"/>
+          </p:cNvSpPr>
+          <p:nvPr>
+            <p:ph type="body" idx="1"/>
+          </p:nvPr>
+        </p:nvSpPr>
+        <p:spPr/>
+        <p:txBody>
+          <a:bodyPr/>
+          <a:lstStyle/>
+          <a:p>
+            <a:pPr marL="171450" indent="-171450">
+              <a:buFont typeface="Arial" panose="020B0604020202020204" pitchFamily="34" charset="0"/>
+              <a:buChar char="•"/>
+            </a:pPr>
+            <a:r>
+              <a:rPr lang="en-US" dirty="0"/>
               <a:t>Discussion:</a:t>
             </a:r>
           </a:p>
@@ -1141,7 +1439,7 @@
 </p:notes>
 </file>
 
-<file path=ppt/notesSlides/notesSlide3.xml><?xml version="1.0" encoding="utf-8"?>
+<file path=ppt/notesSlides/notesSlide4.xml><?xml version="1.0" encoding="utf-8"?>
 <p:notes xmlns:a="http://schemas.openxmlformats.org/drawingml/2006/main" xmlns:r="http://schemas.openxmlformats.org/officeDocument/2006/relationships" xmlns:p="http://schemas.openxmlformats.org/presentationml/2006/main">
   <p:cSld>
     <p:spTree>
@@ -1312,7 +1610,7 @@
 </p:notes>
 </file>
 
-<file path=ppt/notesSlides/notesSlide4.xml><?xml version="1.0" encoding="utf-8"?>
+<file path=ppt/notesSlides/notesSlide5.xml><?xml version="1.0" encoding="utf-8"?>
 <p:notes xmlns:a="http://schemas.openxmlformats.org/drawingml/2006/main" xmlns:r="http://schemas.openxmlformats.org/officeDocument/2006/relationships" xmlns:p="http://schemas.openxmlformats.org/presentationml/2006/main">
   <p:cSld>
     <p:spTree>
@@ -1449,7 +1747,7 @@
 </p:notes>
 </file>
 
-<file path=ppt/notesSlides/notesSlide5.xml><?xml version="1.0" encoding="utf-8"?>
+<file path=ppt/notesSlides/notesSlide6.xml><?xml version="1.0" encoding="utf-8"?>
 <p:notes xmlns:a="http://schemas.openxmlformats.org/drawingml/2006/main" xmlns:r="http://schemas.openxmlformats.org/officeDocument/2006/relationships" xmlns:p="http://schemas.openxmlformats.org/presentationml/2006/main">
   <p:cSld>
     <p:spTree>
@@ -1540,7 +1838,7 @@
 </p:notes>
 </file>
 
-<file path=ppt/notesSlides/notesSlide6.xml><?xml version="1.0" encoding="utf-8"?>
+<file path=ppt/notesSlides/notesSlide7.xml><?xml version="1.0" encoding="utf-8"?>
 <p:notes xmlns:a="http://schemas.openxmlformats.org/drawingml/2006/main" xmlns:r="http://schemas.openxmlformats.org/officeDocument/2006/relationships" xmlns:p="http://schemas.openxmlformats.org/presentationml/2006/main">
   <p:cSld>
     <p:spTree>
@@ -1661,7 +1959,7 @@
 </p:notes>
 </file>
 
-<file path=ppt/notesSlides/notesSlide7.xml><?xml version="1.0" encoding="utf-8"?>
+<file path=ppt/notesSlides/notesSlide8.xml><?xml version="1.0" encoding="utf-8"?>
 <p:notes xmlns:a="http://schemas.openxmlformats.org/drawingml/2006/main" xmlns:r="http://schemas.openxmlformats.org/officeDocument/2006/relationships" xmlns:p="http://schemas.openxmlformats.org/presentationml/2006/main">
   <p:cSld>
     <p:spTree>
@@ -1821,7 +2119,7 @@
 </p:notes>
 </file>
 
-<file path=ppt/notesSlides/notesSlide8.xml><?xml version="1.0" encoding="utf-8"?>
+<file path=ppt/notesSlides/notesSlide9.xml><?xml version="1.0" encoding="utf-8"?>
 <p:notes xmlns:a="http://schemas.openxmlformats.org/drawingml/2006/main" xmlns:r="http://schemas.openxmlformats.org/officeDocument/2006/relationships" xmlns:p="http://schemas.openxmlformats.org/presentationml/2006/main">
   <p:cSld>
     <p:spTree>
@@ -1896,120 +2194,6 @@
     <p:extLst>
       <p:ext uri="{BB962C8B-B14F-4D97-AF65-F5344CB8AC3E}">
         <p14:creationId xmlns:p14="http://schemas.microsoft.com/office/powerpoint/2010/main" val="1241298341"/>
-      </p:ext>
-    </p:extLst>
-  </p:cSld>
-  <p:clrMapOvr>
-    <a:masterClrMapping/>
-  </p:clrMapOvr>
-</p:notes>
-</file>
-
-<file path=ppt/notesSlides/notesSlide9.xml><?xml version="1.0" encoding="utf-8"?>
-<p:notes xmlns:a="http://schemas.openxmlformats.org/drawingml/2006/main" xmlns:r="http://schemas.openxmlformats.org/officeDocument/2006/relationships" xmlns:p="http://schemas.openxmlformats.org/presentationml/2006/main">
-  <p:cSld>
-    <p:spTree>
-      <p:nvGrpSpPr>
-        <p:cNvPr id="1" name=""/>
-        <p:cNvGrpSpPr/>
-        <p:nvPr/>
-      </p:nvGrpSpPr>
-      <p:grpSpPr>
-        <a:xfrm>
-          <a:off x="0" y="0"/>
-          <a:ext cx="0" cy="0"/>
-          <a:chOff x="0" y="0"/>
-          <a:chExt cx="0" cy="0"/>
-        </a:xfrm>
-      </p:grpSpPr>
-      <p:sp>
-        <p:nvSpPr>
-          <p:cNvPr id="2" name="Slide Image Placeholder 1"/>
-          <p:cNvSpPr>
-            <a:spLocks noGrp="1" noRot="1" noChangeAspect="1"/>
-          </p:cNvSpPr>
-          <p:nvPr>
-            <p:ph type="sldImg"/>
-          </p:nvPr>
-        </p:nvSpPr>
-        <p:spPr/>
-      </p:sp>
-      <p:sp>
-        <p:nvSpPr>
-          <p:cNvPr id="3" name="Notes Placeholder 2"/>
-          <p:cNvSpPr>
-            <a:spLocks noGrp="1"/>
-          </p:cNvSpPr>
-          <p:nvPr>
-            <p:ph type="body" idx="1"/>
-          </p:nvPr>
-        </p:nvSpPr>
-        <p:spPr/>
-        <p:txBody>
-          <a:bodyPr/>
-          <a:lstStyle/>
-          <a:p>
-            <a:pPr marL="171450" indent="-171450">
-              <a:buFont typeface="Arial" panose="020B0604020202020204" pitchFamily="34" charset="0"/>
-              <a:buChar char="•"/>
-            </a:pPr>
-            <a:r>
-              <a:rPr lang="en-US" dirty="0"/>
-              <a:t>Glorified merge – from one branch to another within a repo OR from one branch to another between forks</a:t>
-            </a:r>
-          </a:p>
-          <a:p>
-            <a:pPr marL="171450" indent="-171450">
-              <a:buFont typeface="Arial" panose="020B0604020202020204" pitchFamily="34" charset="0"/>
-              <a:buChar char="•"/>
-            </a:pPr>
-            <a:r>
-              <a:rPr lang="en-US" dirty="0"/>
-              <a:t>Mechanism to allows review from others</a:t>
-            </a:r>
-          </a:p>
-          <a:p>
-            <a:pPr marL="171450" indent="-171450">
-              <a:buFont typeface="Arial" panose="020B0604020202020204" pitchFamily="34" charset="0"/>
-              <a:buChar char="•"/>
-            </a:pPr>
-            <a:r>
-              <a:rPr lang="en-US" dirty="0"/>
-              <a:t>May be necessary if you don’t have push access</a:t>
-            </a:r>
-          </a:p>
-          <a:p>
-            <a:endParaRPr lang="en-US" dirty="0"/>
-          </a:p>
-        </p:txBody>
-      </p:sp>
-      <p:sp>
-        <p:nvSpPr>
-          <p:cNvPr id="4" name="Slide Number Placeholder 3"/>
-          <p:cNvSpPr>
-            <a:spLocks noGrp="1"/>
-          </p:cNvSpPr>
-          <p:nvPr>
-            <p:ph type="sldNum" sz="quarter" idx="5"/>
-          </p:nvPr>
-        </p:nvSpPr>
-        <p:spPr/>
-        <p:txBody>
-          <a:bodyPr/>
-          <a:lstStyle/>
-          <a:p>
-            <a:fld id="{E5E194D4-CBFB-4079-8782-8AEE61990DFF}" type="slidenum">
-              <a:rPr lang="en-US" smtClean="0"/>
-              <a:t>10</a:t>
-            </a:fld>
-            <a:endParaRPr lang="en-US"/>
-          </a:p>
-        </p:txBody>
-      </p:sp>
-    </p:spTree>
-    <p:extLst>
-      <p:ext uri="{BB962C8B-B14F-4D97-AF65-F5344CB8AC3E}">
-        <p14:creationId xmlns:p14="http://schemas.microsoft.com/office/powerpoint/2010/main" val="3845244907"/>
       </p:ext>
     </p:extLst>
   </p:cSld>
@@ -5791,14 +5975,19 @@
             <p:ph type="subTitle" idx="1"/>
           </p:nvPr>
         </p:nvSpPr>
-        <p:spPr/>
+        <p:spPr>
+          <a:xfrm>
+            <a:off x="1100051" y="4455620"/>
+            <a:ext cx="10058400" cy="1143000"/>
+          </a:xfrm>
+        </p:spPr>
         <p:txBody>
           <a:bodyPr/>
           <a:lstStyle/>
           <a:p>
             <a:r>
               <a:rPr lang="en-US" dirty="0"/>
-              <a:t>IDEAS meeting, October 28, 2019</a:t>
+              <a:t>October 28, 2019</a:t>
             </a:r>
           </a:p>
         </p:txBody>
@@ -5856,7 +6045,7 @@
           <p:nvPr/>
         </p:nvPicPr>
         <p:blipFill>
-          <a:blip r:embed="rId2"/>
+          <a:blip r:embed="rId3"/>
           <a:stretch>
             <a:fillRect/>
           </a:stretch>
@@ -5891,7 +6080,7 @@
           <p:nvPr/>
         </p:nvPicPr>
         <p:blipFill>
-          <a:blip r:embed="rId3"/>
+          <a:blip r:embed="rId4"/>
           <a:stretch>
             <a:fillRect/>
           </a:stretch>
@@ -6867,10 +7056,9 @@
             <a:p>
               <a:pPr algn="ctr"/>
               <a:r>
-                <a:rPr lang="en-US" dirty="0" err="1"/>
-                <a:t>new_feature</a:t>
+                <a:rPr lang="en-US" dirty="0"/>
+                <a:t>new-feature</a:t>
               </a:r>
-              <a:endParaRPr lang="en-US" dirty="0"/>
             </a:p>
           </p:txBody>
         </p:sp>
@@ -8425,19 +8613,8 @@
                 <a:latin typeface="Courier New" panose="02070309020205020404" pitchFamily="49" charset="0"/>
                 <a:cs typeface="Courier New" panose="02070309020205020404" pitchFamily="49" charset="0"/>
               </a:rPr>
-              <a:t> git merge </a:t>
+              <a:t> git merge new-feature</a:t>
             </a:r>
-            <a:r>
-              <a:rPr lang="en-US" sz="1600" dirty="0" err="1">
-                <a:latin typeface="Courier New" panose="02070309020205020404" pitchFamily="49" charset="0"/>
-                <a:cs typeface="Courier New" panose="02070309020205020404" pitchFamily="49" charset="0"/>
-              </a:rPr>
-              <a:t>new_feature</a:t>
-            </a:r>
-            <a:endParaRPr lang="en-US" sz="1600" dirty="0">
-              <a:latin typeface="Courier New" panose="02070309020205020404" pitchFamily="49" charset="0"/>
-              <a:cs typeface="Courier New" panose="02070309020205020404" pitchFamily="49" charset="0"/>
-            </a:endParaRPr>
           </a:p>
           <a:p>
             <a:r>
@@ -9943,10 +10120,9 @@
             <a:p>
               <a:pPr algn="ctr"/>
               <a:r>
-                <a:rPr lang="en-US" dirty="0" err="1"/>
-                <a:t>new_feature</a:t>
+                <a:rPr lang="en-US" dirty="0"/>
+                <a:t>new-feature</a:t>
               </a:r>
-              <a:endParaRPr lang="en-US" dirty="0"/>
             </a:p>
           </p:txBody>
         </p:sp>
@@ -11705,19 +11881,8 @@
                   <a:latin typeface="Courier New" panose="02070309020205020404" pitchFamily="49" charset="0"/>
                   <a:cs typeface="Courier New" panose="02070309020205020404" pitchFamily="49" charset="0"/>
                 </a:rPr>
-                <a:t> git merge </a:t>
+                <a:t> git merge new-feature</a:t>
               </a:r>
-              <a:r>
-                <a:rPr lang="en-US" sz="1600" dirty="0" err="1">
-                  <a:latin typeface="Courier New" panose="02070309020205020404" pitchFamily="49" charset="0"/>
-                  <a:cs typeface="Courier New" panose="02070309020205020404" pitchFamily="49" charset="0"/>
-                </a:rPr>
-                <a:t>new_feature</a:t>
-              </a:r>
-              <a:endParaRPr lang="en-US" sz="1600" dirty="0">
-                <a:latin typeface="Courier New" panose="02070309020205020404" pitchFamily="49" charset="0"/>
-                <a:cs typeface="Courier New" panose="02070309020205020404" pitchFamily="49" charset="0"/>
-              </a:endParaRPr>
             </a:p>
             <a:p>
               <a:r>
@@ -19436,6 +19601,117 @@
       </p:grpSpPr>
       <p:grpSp>
         <p:nvGrpSpPr>
+          <p:cNvPr id="63" name="Group 62">
+            <a:extLst>
+              <a:ext uri="{FF2B5EF4-FFF2-40B4-BE49-F238E27FC236}">
+                <a16:creationId xmlns:a16="http://schemas.microsoft.com/office/drawing/2014/main" id="{2478DAF3-C4CD-4558-8F57-D670404FF03B}"/>
+              </a:ext>
+            </a:extLst>
+          </p:cNvPr>
+          <p:cNvGrpSpPr/>
+          <p:nvPr/>
+        </p:nvGrpSpPr>
+        <p:grpSpPr>
+          <a:xfrm>
+            <a:off x="9822426" y="4963426"/>
+            <a:ext cx="1112182" cy="539015"/>
+            <a:chOff x="9822426" y="4963426"/>
+            <a:chExt cx="1112182" cy="539015"/>
+          </a:xfrm>
+        </p:grpSpPr>
+        <p:cxnSp>
+          <p:nvCxnSpPr>
+            <p:cNvPr id="55" name="Straight Connector 54">
+              <a:extLst>
+                <a:ext uri="{FF2B5EF4-FFF2-40B4-BE49-F238E27FC236}">
+                  <a16:creationId xmlns:a16="http://schemas.microsoft.com/office/drawing/2014/main" id="{ED6175EE-06D5-4205-91F6-851191D5C67B}"/>
+                </a:ext>
+              </a:extLst>
+            </p:cNvPr>
+            <p:cNvCxnSpPr>
+              <a:cxnSpLocks/>
+              <a:endCxn id="56" idx="2"/>
+            </p:cNvCxnSpPr>
+            <p:nvPr/>
+          </p:nvCxnSpPr>
+          <p:spPr>
+            <a:xfrm>
+              <a:off x="9822426" y="5232934"/>
+              <a:ext cx="553917" cy="0"/>
+            </a:xfrm>
+            <a:prstGeom prst="line">
+              <a:avLst/>
+            </a:prstGeom>
+            <a:ln w="38100"/>
+          </p:spPr>
+          <p:style>
+            <a:lnRef idx="1">
+              <a:schemeClr val="accent6"/>
+            </a:lnRef>
+            <a:fillRef idx="0">
+              <a:schemeClr val="accent6"/>
+            </a:fillRef>
+            <a:effectRef idx="0">
+              <a:schemeClr val="accent6"/>
+            </a:effectRef>
+            <a:fontRef idx="minor">
+              <a:schemeClr val="tx1"/>
+            </a:fontRef>
+          </p:style>
+        </p:cxnSp>
+        <p:sp>
+          <p:nvSpPr>
+            <p:cNvPr id="56" name="Oval 55">
+              <a:extLst>
+                <a:ext uri="{FF2B5EF4-FFF2-40B4-BE49-F238E27FC236}">
+                  <a16:creationId xmlns:a16="http://schemas.microsoft.com/office/drawing/2014/main" id="{C0A54477-B57E-4F0F-ADBE-D6E417A78E33}"/>
+                </a:ext>
+              </a:extLst>
+            </p:cNvPr>
+            <p:cNvSpPr/>
+            <p:nvPr/>
+          </p:nvSpPr>
+          <p:spPr>
+            <a:xfrm>
+              <a:off x="10376343" y="4963426"/>
+              <a:ext cx="558265" cy="539015"/>
+            </a:xfrm>
+            <a:prstGeom prst="ellipse">
+              <a:avLst/>
+            </a:prstGeom>
+            <a:ln w="28575"/>
+          </p:spPr>
+          <p:style>
+            <a:lnRef idx="2">
+              <a:schemeClr val="accent6">
+                <a:shade val="50000"/>
+              </a:schemeClr>
+            </a:lnRef>
+            <a:fillRef idx="1">
+              <a:schemeClr val="accent6"/>
+            </a:fillRef>
+            <a:effectRef idx="0">
+              <a:schemeClr val="accent6"/>
+            </a:effectRef>
+            <a:fontRef idx="minor">
+              <a:schemeClr val="lt1"/>
+            </a:fontRef>
+          </p:style>
+          <p:txBody>
+            <a:bodyPr rtlCol="0" anchor="ctr"/>
+            <a:lstStyle/>
+            <a:p>
+              <a:pPr algn="ctr"/>
+              <a:r>
+                <a:rPr lang="en-US" dirty="0"/>
+                <a:t>5</a:t>
+              </a:r>
+            </a:p>
+          </p:txBody>
+        </p:sp>
+      </p:grpSp>
+      <p:grpSp>
+        <p:nvGrpSpPr>
           <p:cNvPr id="64" name="Group 63">
             <a:extLst>
               <a:ext uri="{FF2B5EF4-FFF2-40B4-BE49-F238E27FC236}">
@@ -21562,117 +21838,6 @@
           </a:fontRef>
         </p:style>
       </p:cxnSp>
-      <p:grpSp>
-        <p:nvGrpSpPr>
-          <p:cNvPr id="63" name="Group 62">
-            <a:extLst>
-              <a:ext uri="{FF2B5EF4-FFF2-40B4-BE49-F238E27FC236}">
-                <a16:creationId xmlns:a16="http://schemas.microsoft.com/office/drawing/2014/main" id="{2478DAF3-C4CD-4558-8F57-D670404FF03B}"/>
-              </a:ext>
-            </a:extLst>
-          </p:cNvPr>
-          <p:cNvGrpSpPr/>
-          <p:nvPr/>
-        </p:nvGrpSpPr>
-        <p:grpSpPr>
-          <a:xfrm>
-            <a:off x="9822426" y="4963426"/>
-            <a:ext cx="1112182" cy="539015"/>
-            <a:chOff x="9822426" y="4963426"/>
-            <a:chExt cx="1112182" cy="539015"/>
-          </a:xfrm>
-        </p:grpSpPr>
-        <p:cxnSp>
-          <p:nvCxnSpPr>
-            <p:cNvPr id="55" name="Straight Connector 54">
-              <a:extLst>
-                <a:ext uri="{FF2B5EF4-FFF2-40B4-BE49-F238E27FC236}">
-                  <a16:creationId xmlns:a16="http://schemas.microsoft.com/office/drawing/2014/main" id="{ED6175EE-06D5-4205-91F6-851191D5C67B}"/>
-                </a:ext>
-              </a:extLst>
-            </p:cNvPr>
-            <p:cNvCxnSpPr>
-              <a:cxnSpLocks/>
-              <a:endCxn id="56" idx="2"/>
-            </p:cNvCxnSpPr>
-            <p:nvPr/>
-          </p:nvCxnSpPr>
-          <p:spPr>
-            <a:xfrm>
-              <a:off x="9822426" y="5232934"/>
-              <a:ext cx="553917" cy="0"/>
-            </a:xfrm>
-            <a:prstGeom prst="line">
-              <a:avLst/>
-            </a:prstGeom>
-            <a:ln w="38100"/>
-          </p:spPr>
-          <p:style>
-            <a:lnRef idx="1">
-              <a:schemeClr val="accent6"/>
-            </a:lnRef>
-            <a:fillRef idx="0">
-              <a:schemeClr val="accent6"/>
-            </a:fillRef>
-            <a:effectRef idx="0">
-              <a:schemeClr val="accent6"/>
-            </a:effectRef>
-            <a:fontRef idx="minor">
-              <a:schemeClr val="tx1"/>
-            </a:fontRef>
-          </p:style>
-        </p:cxnSp>
-        <p:sp>
-          <p:nvSpPr>
-            <p:cNvPr id="56" name="Oval 55">
-              <a:extLst>
-                <a:ext uri="{FF2B5EF4-FFF2-40B4-BE49-F238E27FC236}">
-                  <a16:creationId xmlns:a16="http://schemas.microsoft.com/office/drawing/2014/main" id="{C0A54477-B57E-4F0F-ADBE-D6E417A78E33}"/>
-                </a:ext>
-              </a:extLst>
-            </p:cNvPr>
-            <p:cNvSpPr/>
-            <p:nvPr/>
-          </p:nvSpPr>
-          <p:spPr>
-            <a:xfrm>
-              <a:off x="10376343" y="4963426"/>
-              <a:ext cx="558265" cy="539015"/>
-            </a:xfrm>
-            <a:prstGeom prst="ellipse">
-              <a:avLst/>
-            </a:prstGeom>
-            <a:ln w="28575"/>
-          </p:spPr>
-          <p:style>
-            <a:lnRef idx="2">
-              <a:schemeClr val="accent6">
-                <a:shade val="50000"/>
-              </a:schemeClr>
-            </a:lnRef>
-            <a:fillRef idx="1">
-              <a:schemeClr val="accent6"/>
-            </a:fillRef>
-            <a:effectRef idx="0">
-              <a:schemeClr val="accent6"/>
-            </a:effectRef>
-            <a:fontRef idx="minor">
-              <a:schemeClr val="lt1"/>
-            </a:fontRef>
-          </p:style>
-          <p:txBody>
-            <a:bodyPr rtlCol="0" anchor="ctr"/>
-            <a:lstStyle/>
-            <a:p>
-              <a:pPr algn="ctr"/>
-              <a:r>
-                <a:rPr lang="en-US" dirty="0"/>
-                <a:t>5</a:t>
-              </a:r>
-            </a:p>
-          </p:txBody>
-        </p:sp>
-      </p:grpSp>
     </p:spTree>
     <p:extLst>
       <p:ext uri="{BB962C8B-B14F-4D97-AF65-F5344CB8AC3E}">
@@ -25739,10 +25904,10 @@
         </p:nvGrpSpPr>
         <p:grpSpPr>
           <a:xfrm>
-            <a:off x="5021695" y="1780416"/>
-            <a:ext cx="7052318" cy="2839577"/>
-            <a:chOff x="5021695" y="1780416"/>
-            <a:chExt cx="7052318" cy="2839577"/>
+            <a:off x="4597625" y="1780416"/>
+            <a:ext cx="7476388" cy="2839577"/>
+            <a:chOff x="4597625" y="1780416"/>
+            <a:chExt cx="7476388" cy="2839577"/>
           </a:xfrm>
         </p:grpSpPr>
         <p:sp>
@@ -25895,7 +26060,7 @@
           </p:nvSpPr>
           <p:spPr>
             <a:xfrm>
-              <a:off x="5021695" y="1815762"/>
+              <a:off x="4597625" y="1815762"/>
               <a:ext cx="2356927" cy="830997"/>
             </a:xfrm>
             <a:prstGeom prst="rect">
@@ -25918,7 +26083,7 @@
               </a:br>
               <a:r>
                 <a:rPr lang="en-US" sz="2400" dirty="0"/>
-                <a:t>‘master’</a:t>
+                <a:t>‘new-feature’</a:t>
               </a:r>
             </a:p>
           </p:txBody>
